--- a/5. Eloquent & Relationship/Laravel Eloquent & Relationship.pptx
+++ b/5. Eloquent & Relationship/Laravel Eloquent & Relationship.pptx
@@ -253,7 +253,7 @@
             <a:fld id="{0DF9046C-84B7-4047-BA2E-B0333C727CA0}" type="datetimeFigureOut">
               <a:rPr lang="en-US" smtClean="0"/>
               <a:pPr/>
-              <a:t>2/12/23</a:t>
+              <a:t>6/26/23</a:t>
             </a:fld>
             <a:endParaRPr lang="en-US"/>
           </a:p>
@@ -848,7 +848,7 @@
             <a:fld id="{F98B4641-DB92-4816-AC0F-FCAE07F9B854}" type="datetimeFigureOut">
               <a:rPr lang="en-US" smtClean="0"/>
               <a:pPr/>
-              <a:t>2/12/23</a:t>
+              <a:t>6/26/23</a:t>
             </a:fld>
             <a:endParaRPr lang="en-US"/>
           </a:p>
@@ -1066,7 +1066,7 @@
             <a:fld id="{F98B4641-DB92-4816-AC0F-FCAE07F9B854}" type="datetimeFigureOut">
               <a:rPr lang="en-US" smtClean="0"/>
               <a:pPr/>
-              <a:t>2/12/23</a:t>
+              <a:t>6/26/23</a:t>
             </a:fld>
             <a:endParaRPr lang="en-US"/>
           </a:p>
@@ -1339,7 +1339,7 @@
             <a:fld id="{F98B4641-DB92-4816-AC0F-FCAE07F9B854}" type="datetimeFigureOut">
               <a:rPr lang="en-US" smtClean="0"/>
               <a:pPr/>
-              <a:t>2/12/23</a:t>
+              <a:t>6/26/23</a:t>
             </a:fld>
             <a:endParaRPr lang="en-US"/>
           </a:p>
@@ -1532,7 +1532,7 @@
             <a:fld id="{F98B4641-DB92-4816-AC0F-FCAE07F9B854}" type="datetimeFigureOut">
               <a:rPr lang="en-US" smtClean="0"/>
               <a:pPr/>
-              <a:t>2/12/23</a:t>
+              <a:t>6/26/23</a:t>
             </a:fld>
             <a:endParaRPr lang="en-US"/>
           </a:p>
@@ -1887,7 +1887,7 @@
             <a:fld id="{F98B4641-DB92-4816-AC0F-FCAE07F9B854}" type="datetimeFigureOut">
               <a:rPr lang="en-US" smtClean="0"/>
               <a:pPr/>
-              <a:t>2/12/23</a:t>
+              <a:t>6/26/23</a:t>
             </a:fld>
             <a:endParaRPr lang="en-US"/>
           </a:p>
@@ -2173,7 +2173,7 @@
             <a:fld id="{F98B4641-DB92-4816-AC0F-FCAE07F9B854}" type="datetimeFigureOut">
               <a:rPr lang="en-US" smtClean="0"/>
               <a:pPr/>
-              <a:t>2/12/23</a:t>
+              <a:t>6/26/23</a:t>
             </a:fld>
             <a:endParaRPr lang="en-US"/>
           </a:p>
@@ -2596,7 +2596,7 @@
             <a:fld id="{F98B4641-DB92-4816-AC0F-FCAE07F9B854}" type="datetimeFigureOut">
               <a:rPr lang="en-US" smtClean="0"/>
               <a:pPr/>
-              <a:t>2/12/23</a:t>
+              <a:t>6/26/23</a:t>
             </a:fld>
             <a:endParaRPr lang="en-US"/>
           </a:p>
@@ -2710,7 +2710,7 @@
             <a:fld id="{F98B4641-DB92-4816-AC0F-FCAE07F9B854}" type="datetimeFigureOut">
               <a:rPr lang="en-US" smtClean="0"/>
               <a:pPr/>
-              <a:t>2/12/23</a:t>
+              <a:t>6/26/23</a:t>
             </a:fld>
             <a:endParaRPr lang="en-US"/>
           </a:p>
@@ -2802,7 +2802,7 @@
             <a:fld id="{F98B4641-DB92-4816-AC0F-FCAE07F9B854}" type="datetimeFigureOut">
               <a:rPr lang="en-US" smtClean="0"/>
               <a:pPr/>
-              <a:t>2/12/23</a:t>
+              <a:t>6/26/23</a:t>
             </a:fld>
             <a:endParaRPr lang="en-US"/>
           </a:p>
@@ -3081,7 +3081,7 @@
             <a:fld id="{F98B4641-DB92-4816-AC0F-FCAE07F9B854}" type="datetimeFigureOut">
               <a:rPr lang="en-US" smtClean="0"/>
               <a:pPr/>
-              <a:t>2/12/23</a:t>
+              <a:t>6/26/23</a:t>
             </a:fld>
             <a:endParaRPr lang="en-US"/>
           </a:p>
@@ -3444,7 +3444,7 @@
             <a:fld id="{F98B4641-DB92-4816-AC0F-FCAE07F9B854}" type="datetimeFigureOut">
               <a:rPr lang="en-US" smtClean="0"/>
               <a:pPr/>
-              <a:t>2/12/23</a:t>
+              <a:t>6/26/23</a:t>
             </a:fld>
             <a:endParaRPr lang="en-US"/>
           </a:p>
@@ -3869,7 +3869,7 @@
             <a:fld id="{F98B4641-DB92-4816-AC0F-FCAE07F9B854}" type="datetimeFigureOut">
               <a:rPr lang="en-US" smtClean="0"/>
               <a:pPr/>
-              <a:t>2/12/23</a:t>
+              <a:t>6/26/23</a:t>
             </a:fld>
             <a:endParaRPr lang="en-US"/>
           </a:p>
@@ -4441,8 +4441,13 @@
             <a:pPr algn="ctr"/>
             <a:r>
               <a:rPr lang="en-US" sz="4800" b="1" dirty="0"/>
-              <a:t>Virtual Perak Technology</a:t>
-            </a:r>
+              <a:t>Virtual </a:t>
+            </a:r>
+            <a:r>
+              <a:rPr lang="en-US" sz="4800" b="1"/>
+              <a:t>Perak Technology</a:t>
+            </a:r>
+            <a:endParaRPr lang="en-US" sz="4800" b="1" dirty="0"/>
           </a:p>
         </p:txBody>
       </p:sp>
